--- a/slides/2017.10.16-Matrizes.pptx
+++ b/slides/2017.10.16-Matrizes.pptx
@@ -16,7 +16,6 @@
     <p:sldId id="277" r:id="rId10"/>
     <p:sldId id="278" r:id="rId11"/>
     <p:sldId id="271" r:id="rId12"/>
-    <p:sldId id="272" r:id="rId13"/>
   </p:sldIdLst>
   <p:sldSz cx="12192000" cy="6858000"/>
   <p:notesSz cx="6858000" cy="9144000"/>
@@ -369,7 +368,7 @@
             <a:fld id="{B61BEF0D-F0BB-DE4B-95CE-6DB70DBA9567}" type="datetimeFigureOut">
               <a:rPr lang="en-US" smtClean="0"/>
               <a:pPr/>
-              <a:t>10/3/2016</a:t>
+              <a:t>10/19/2017</a:t>
             </a:fld>
             <a:endParaRPr lang="en-US" dirty="0"/>
           </a:p>
@@ -547,7 +546,7 @@
             <a:fld id="{B61BEF0D-F0BB-DE4B-95CE-6DB70DBA9567}" type="datetimeFigureOut">
               <a:rPr lang="en-US" smtClean="0"/>
               <a:pPr/>
-              <a:t>10/3/2016</a:t>
+              <a:t>10/19/2017</a:t>
             </a:fld>
             <a:endParaRPr lang="en-US" dirty="0"/>
           </a:p>
@@ -673,7 +672,7 @@
             <a:fld id="{B61BEF0D-F0BB-DE4B-95CE-6DB70DBA9567}" type="datetimeFigureOut">
               <a:rPr lang="en-US" smtClean="0"/>
               <a:pPr/>
-              <a:t>10/3/2016</a:t>
+              <a:t>10/19/2017</a:t>
             </a:fld>
             <a:endParaRPr lang="en-US" dirty="0"/>
           </a:p>
@@ -765,7 +764,7 @@
             <a:fld id="{B61BEF0D-F0BB-DE4B-95CE-6DB70DBA9567}" type="datetimeFigureOut">
               <a:rPr lang="en-US" smtClean="0"/>
               <a:pPr/>
-              <a:t>10/3/2016</a:t>
+              <a:t>10/19/2017</a:t>
             </a:fld>
             <a:endParaRPr lang="en-US" dirty="0"/>
           </a:p>
@@ -1005,7 +1004,7 @@
             <a:fld id="{B61BEF0D-F0BB-DE4B-95CE-6DB70DBA9567}" type="datetimeFigureOut">
               <a:rPr lang="en-US" smtClean="0"/>
               <a:pPr/>
-              <a:t>10/3/2016</a:t>
+              <a:t>10/19/2017</a:t>
             </a:fld>
             <a:endParaRPr lang="en-US" dirty="0"/>
           </a:p>
@@ -1183,7 +1182,7 @@
             <a:fld id="{B61BEF0D-F0BB-DE4B-95CE-6DB70DBA9567}" type="datetimeFigureOut">
               <a:rPr lang="en-US" smtClean="0"/>
               <a:pPr/>
-              <a:t>10/3/2016</a:t>
+              <a:t>10/19/2017</a:t>
             </a:fld>
             <a:endParaRPr lang="en-US" dirty="0"/>
           </a:p>
@@ -1423,7 +1422,7 @@
             <a:fld id="{B61BEF0D-F0BB-DE4B-95CE-6DB70DBA9567}" type="datetimeFigureOut">
               <a:rPr lang="en-US" smtClean="0"/>
               <a:pPr/>
-              <a:t>10/3/2016</a:t>
+              <a:t>10/19/2017</a:t>
             </a:fld>
             <a:endParaRPr lang="en-US" dirty="0"/>
           </a:p>
@@ -1694,7 +1693,7 @@
             <a:fld id="{B61BEF0D-F0BB-DE4B-95CE-6DB70DBA9567}" type="datetimeFigureOut">
               <a:rPr lang="en-US" smtClean="0"/>
               <a:pPr/>
-              <a:t>10/3/2016</a:t>
+              <a:t>10/19/2017</a:t>
             </a:fld>
             <a:endParaRPr lang="en-US" dirty="0"/>
           </a:p>
@@ -2135,101 +2134,6 @@
 </p:sld>
 </file>
 
-<file path=ppt/slides/slide12.xml><?xml version="1.0" encoding="utf-8"?>
-<p:sld xmlns:a="http://schemas.openxmlformats.org/drawingml/2006/main" xmlns:r="http://schemas.openxmlformats.org/officeDocument/2006/relationships" xmlns:p="http://schemas.openxmlformats.org/presentationml/2006/main">
-  <p:cSld>
-    <p:spTree>
-      <p:nvGrpSpPr>
-        <p:cNvPr id="1" name=""/>
-        <p:cNvGrpSpPr/>
-        <p:nvPr/>
-      </p:nvGrpSpPr>
-      <p:grpSpPr>
-        <a:xfrm>
-          <a:off x="0" y="0"/>
-          <a:ext cx="0" cy="0"/>
-          <a:chOff x="0" y="0"/>
-          <a:chExt cx="0" cy="0"/>
-        </a:xfrm>
-      </p:grpSpPr>
-      <p:sp>
-        <p:nvSpPr>
-          <p:cNvPr id="2" name="Espaço Reservado para Texto 1"/>
-          <p:cNvSpPr>
-            <a:spLocks noGrp="1"/>
-          </p:cNvSpPr>
-          <p:nvPr>
-            <p:ph type="body" idx="1"/>
-          </p:nvPr>
-        </p:nvSpPr>
-        <p:spPr/>
-        <p:txBody>
-          <a:bodyPr/>
-          <a:lstStyle/>
-          <a:p>
-            <a:r>
-              <a:rPr lang="pt-BR" dirty="0">
-                <a:solidFill>
-                  <a:schemeClr val="tx1"/>
-                </a:solidFill>
-              </a:rPr>
-              <a:t>O funcionário de uma biblioteca organizar os livros em estantes e cada estante possui prateleiras. Nesta biblioteca, existem 10 estantes cada uma com 6 prateleiras. Após adicionar alguns livros o funcionário deseja saber qual estante possui mais livros. Considere as estantes numeradas de 1 a 10 e as prateleiras de 1 a 6</a:t>
-            </a:r>
-            <a:r>
-              <a:rPr lang="pt-BR" dirty="0" smtClean="0">
-                <a:solidFill>
-                  <a:schemeClr val="tx1"/>
-                </a:solidFill>
-              </a:rPr>
-              <a:t>.</a:t>
-            </a:r>
-            <a:endParaRPr lang="pt-BR" dirty="0" smtClean="0"/>
-          </a:p>
-          <a:p>
-            <a:r>
-              <a:rPr lang="pt-BR" dirty="0" smtClean="0"/>
-              <a:t>Entrega 17/10/2016</a:t>
-            </a:r>
-            <a:endParaRPr lang="pt-BR" dirty="0"/>
-          </a:p>
-        </p:txBody>
-      </p:sp>
-      <p:sp>
-        <p:nvSpPr>
-          <p:cNvPr id="3" name="Título 2"/>
-          <p:cNvSpPr>
-            <a:spLocks noGrp="1"/>
-          </p:cNvSpPr>
-          <p:nvPr>
-            <p:ph type="title"/>
-          </p:nvPr>
-        </p:nvSpPr>
-        <p:spPr/>
-        <p:txBody>
-          <a:bodyPr/>
-          <a:lstStyle/>
-          <a:p>
-            <a:r>
-              <a:rPr lang="pt-BR" dirty="0" smtClean="0"/>
-              <a:t>Trabalho</a:t>
-            </a:r>
-            <a:endParaRPr lang="pt-BR" dirty="0"/>
-          </a:p>
-        </p:txBody>
-      </p:sp>
-    </p:spTree>
-    <p:extLst>
-      <p:ext uri="{BB962C8B-B14F-4D97-AF65-F5344CB8AC3E}">
-        <p14:creationId xmlns:p14="http://schemas.microsoft.com/office/powerpoint/2010/main" val="2430726427"/>
-      </p:ext>
-    </p:extLst>
-  </p:cSld>
-  <p:clrMapOvr>
-    <a:masterClrMapping/>
-  </p:clrMapOvr>
-</p:sld>
-</file>
-
 <file path=ppt/slides/slide2.xml><?xml version="1.0" encoding="utf-8"?>
 <p:sld xmlns:a="http://schemas.openxmlformats.org/drawingml/2006/main" xmlns:r="http://schemas.openxmlformats.org/officeDocument/2006/relationships" xmlns:p="http://schemas.openxmlformats.org/presentationml/2006/main">
   <p:cSld>
@@ -2647,15 +2551,7 @@
                 <a:cs typeface="Courier New" panose="02070309020205020404" pitchFamily="49" charset="0"/>
                 <a:sym typeface="Wingdings" panose="05000000000000000000" pitchFamily="2" charset="2"/>
               </a:rPr>
-              <a:t>Matriz[1</a:t>
-            </a:r>
-            <a:r>
-              <a:rPr lang="pt-BR" dirty="0" smtClean="0">
-                <a:latin typeface="Courier New" panose="02070309020205020404" pitchFamily="49" charset="0"/>
-                <a:cs typeface="Courier New" panose="02070309020205020404" pitchFamily="49" charset="0"/>
-                <a:sym typeface="Wingdings" panose="05000000000000000000" pitchFamily="2" charset="2"/>
-              </a:rPr>
-              <a:t>][3]  Elemento da linha 1 e coluna 3</a:t>
+              <a:t>Matriz[1][3]  Elemento da linha 1 e coluna 3</a:t>
             </a:r>
             <a:endParaRPr lang="pt-BR" dirty="0">
               <a:latin typeface="Courier New" panose="02070309020205020404" pitchFamily="49" charset="0"/>
@@ -2681,11 +2577,7 @@
           <a:p>
             <a:r>
               <a:rPr lang="pt-BR" dirty="0" smtClean="0"/>
-              <a:t>Acesso a posições de </a:t>
-            </a:r>
-            <a:r>
-              <a:rPr lang="pt-BR" dirty="0" smtClean="0"/>
-              <a:t>uma matriz</a:t>
+              <a:t>Acesso a posições de uma matriz</a:t>
             </a:r>
             <a:endParaRPr lang="pt-BR" dirty="0"/>
           </a:p>
